--- a/ppt 16-9/0762.主最需要有怜悯.pptx
+++ b/ppt 16-9/0762.主最需要有怜悯.pptx
@@ -129,7 +129,7 @@
           <p:cNvPr id="2" name="标题 1">
             <a:extLst>
               <a:ext uri="{FF2B5EF4-FFF2-40B4-BE49-F238E27FC236}">
-                <a16:creationId xmlns:a16="http://schemas.microsoft.com/office/drawing/2014/main" id="{C846E586-0C32-99A1-00E9-E02CF8012545}"/>
+                <a16:creationId xmlns:a16="http://schemas.microsoft.com/office/drawing/2014/main" id="{EFC1DD0F-FFAD-384A-2981-F2B9A067B240}"/>
               </a:ext>
             </a:extLst>
           </p:cNvPr>
@@ -166,7 +166,7 @@
           <p:cNvPr id="3" name="副标题 2">
             <a:extLst>
               <a:ext uri="{FF2B5EF4-FFF2-40B4-BE49-F238E27FC236}">
-                <a16:creationId xmlns:a16="http://schemas.microsoft.com/office/drawing/2014/main" id="{3431D0EB-4642-BF61-CAA2-D4DE4A423573}"/>
+                <a16:creationId xmlns:a16="http://schemas.microsoft.com/office/drawing/2014/main" id="{51C6EE8F-10AD-5BB3-7BC1-8D7978FFF08C}"/>
               </a:ext>
             </a:extLst>
           </p:cNvPr>
@@ -236,7 +236,7 @@
           <p:cNvPr id="4" name="日期占位符 3">
             <a:extLst>
               <a:ext uri="{FF2B5EF4-FFF2-40B4-BE49-F238E27FC236}">
-                <a16:creationId xmlns:a16="http://schemas.microsoft.com/office/drawing/2014/main" id="{919DAFA6-B0F9-150D-3A75-49210D0C91DF}"/>
+                <a16:creationId xmlns:a16="http://schemas.microsoft.com/office/drawing/2014/main" id="{F3F69D23-63B7-AD8F-15DF-957BCFE27BCD}"/>
               </a:ext>
             </a:extLst>
           </p:cNvPr>
@@ -252,7 +252,7 @@
           <a:bodyPr/>
           <a:lstStyle/>
           <a:p>
-            <a:fld id="{CEE0DE3D-B73C-452C-AD97-B5949F03E839}" type="datetimeFigureOut">
+            <a:fld id="{3486D8CA-F5AB-4A2E-A218-1074A6778338}" type="datetimeFigureOut">
               <a:rPr lang="zh-CN" altLang="en-US" smtClean="0"/>
               <a:t>2024/3/10</a:t>
             </a:fld>
@@ -265,7 +265,7 @@
           <p:cNvPr id="5" name="页脚占位符 4">
             <a:extLst>
               <a:ext uri="{FF2B5EF4-FFF2-40B4-BE49-F238E27FC236}">
-                <a16:creationId xmlns:a16="http://schemas.microsoft.com/office/drawing/2014/main" id="{01EEC7DE-661B-A7BD-FE92-DC6648A8D39B}"/>
+                <a16:creationId xmlns:a16="http://schemas.microsoft.com/office/drawing/2014/main" id="{95324256-4BD1-57D3-CD72-153D97EF38EA}"/>
               </a:ext>
             </a:extLst>
           </p:cNvPr>
@@ -290,7 +290,7 @@
           <p:cNvPr id="6" name="灯片编号占位符 5">
             <a:extLst>
               <a:ext uri="{FF2B5EF4-FFF2-40B4-BE49-F238E27FC236}">
-                <a16:creationId xmlns:a16="http://schemas.microsoft.com/office/drawing/2014/main" id="{D2BFA2B7-B7A9-7B67-1347-BB74C50FB08F}"/>
+                <a16:creationId xmlns:a16="http://schemas.microsoft.com/office/drawing/2014/main" id="{40D3D8D7-FAA9-9B70-7ACA-8C2C07C46B37}"/>
               </a:ext>
             </a:extLst>
           </p:cNvPr>
@@ -306,7 +306,7 @@
           <a:bodyPr/>
           <a:lstStyle/>
           <a:p>
-            <a:fld id="{D1BB1509-E2FD-4D06-B690-AFB09351A13C}" type="slidenum">
+            <a:fld id="{010B7AD3-7562-433D-A386-5B14F947B1C2}" type="slidenum">
               <a:rPr lang="zh-CN" altLang="en-US" smtClean="0"/>
               <a:t>‹#›</a:t>
             </a:fld>
@@ -317,7 +317,7 @@
     </p:spTree>
     <p:extLst>
       <p:ext uri="{BB962C8B-B14F-4D97-AF65-F5344CB8AC3E}">
-        <p14:creationId xmlns:p14="http://schemas.microsoft.com/office/powerpoint/2010/main" val="495345037"/>
+        <p14:creationId xmlns:p14="http://schemas.microsoft.com/office/powerpoint/2010/main" val="4092244648"/>
       </p:ext>
     </p:extLst>
   </p:cSld>
@@ -349,7 +349,7 @@
           <p:cNvPr id="2" name="标题 1">
             <a:extLst>
               <a:ext uri="{FF2B5EF4-FFF2-40B4-BE49-F238E27FC236}">
-                <a16:creationId xmlns:a16="http://schemas.microsoft.com/office/drawing/2014/main" id="{64A1FAF4-9EF9-EF6D-9E43-A936B5B8BEA7}"/>
+                <a16:creationId xmlns:a16="http://schemas.microsoft.com/office/drawing/2014/main" id="{4C5B2EBF-A7B8-DFF8-B1FC-0F243956E16E}"/>
               </a:ext>
             </a:extLst>
           </p:cNvPr>
@@ -377,7 +377,7 @@
           <p:cNvPr id="3" name="竖排文字占位符 2">
             <a:extLst>
               <a:ext uri="{FF2B5EF4-FFF2-40B4-BE49-F238E27FC236}">
-                <a16:creationId xmlns:a16="http://schemas.microsoft.com/office/drawing/2014/main" id="{2861FFE2-20ED-641C-4702-62D0E5B71C6A}"/>
+                <a16:creationId xmlns:a16="http://schemas.microsoft.com/office/drawing/2014/main" id="{21897968-40EB-90D7-6782-6CB2E1367E8B}"/>
               </a:ext>
             </a:extLst>
           </p:cNvPr>
@@ -434,7 +434,7 @@
           <p:cNvPr id="4" name="日期占位符 3">
             <a:extLst>
               <a:ext uri="{FF2B5EF4-FFF2-40B4-BE49-F238E27FC236}">
-                <a16:creationId xmlns:a16="http://schemas.microsoft.com/office/drawing/2014/main" id="{D7A51C3F-4889-BA18-3116-8C862B4B446E}"/>
+                <a16:creationId xmlns:a16="http://schemas.microsoft.com/office/drawing/2014/main" id="{40B11C81-6792-37A8-DF94-6538836CEBEF}"/>
               </a:ext>
             </a:extLst>
           </p:cNvPr>
@@ -450,7 +450,7 @@
           <a:bodyPr/>
           <a:lstStyle/>
           <a:p>
-            <a:fld id="{CEE0DE3D-B73C-452C-AD97-B5949F03E839}" type="datetimeFigureOut">
+            <a:fld id="{3486D8CA-F5AB-4A2E-A218-1074A6778338}" type="datetimeFigureOut">
               <a:rPr lang="zh-CN" altLang="en-US" smtClean="0"/>
               <a:t>2024/3/10</a:t>
             </a:fld>
@@ -463,7 +463,7 @@
           <p:cNvPr id="5" name="页脚占位符 4">
             <a:extLst>
               <a:ext uri="{FF2B5EF4-FFF2-40B4-BE49-F238E27FC236}">
-                <a16:creationId xmlns:a16="http://schemas.microsoft.com/office/drawing/2014/main" id="{9D108925-F0E3-EE30-73FA-92B709C9355D}"/>
+                <a16:creationId xmlns:a16="http://schemas.microsoft.com/office/drawing/2014/main" id="{337628F8-5DD5-A63F-F010-552C88E71F43}"/>
               </a:ext>
             </a:extLst>
           </p:cNvPr>
@@ -488,7 +488,7 @@
           <p:cNvPr id="6" name="灯片编号占位符 5">
             <a:extLst>
               <a:ext uri="{FF2B5EF4-FFF2-40B4-BE49-F238E27FC236}">
-                <a16:creationId xmlns:a16="http://schemas.microsoft.com/office/drawing/2014/main" id="{AE90CDEB-8B4D-5FE8-F3CF-2C6DEA2910F0}"/>
+                <a16:creationId xmlns:a16="http://schemas.microsoft.com/office/drawing/2014/main" id="{5BB492BD-49E3-9BEB-8347-9D60901AD772}"/>
               </a:ext>
             </a:extLst>
           </p:cNvPr>
@@ -504,7 +504,7 @@
           <a:bodyPr/>
           <a:lstStyle/>
           <a:p>
-            <a:fld id="{D1BB1509-E2FD-4D06-B690-AFB09351A13C}" type="slidenum">
+            <a:fld id="{010B7AD3-7562-433D-A386-5B14F947B1C2}" type="slidenum">
               <a:rPr lang="zh-CN" altLang="en-US" smtClean="0"/>
               <a:t>‹#›</a:t>
             </a:fld>
@@ -515,7 +515,7 @@
     </p:spTree>
     <p:extLst>
       <p:ext uri="{BB962C8B-B14F-4D97-AF65-F5344CB8AC3E}">
-        <p14:creationId xmlns:p14="http://schemas.microsoft.com/office/powerpoint/2010/main" val="3328636203"/>
+        <p14:creationId xmlns:p14="http://schemas.microsoft.com/office/powerpoint/2010/main" val="1772156143"/>
       </p:ext>
     </p:extLst>
   </p:cSld>
@@ -547,7 +547,7 @@
           <p:cNvPr id="2" name="竖排标题 1">
             <a:extLst>
               <a:ext uri="{FF2B5EF4-FFF2-40B4-BE49-F238E27FC236}">
-                <a16:creationId xmlns:a16="http://schemas.microsoft.com/office/drawing/2014/main" id="{55431795-B348-60E9-1C04-20BB1971AD26}"/>
+                <a16:creationId xmlns:a16="http://schemas.microsoft.com/office/drawing/2014/main" id="{D3CA6240-25BA-59D1-0D57-B8AC9AE721C5}"/>
               </a:ext>
             </a:extLst>
           </p:cNvPr>
@@ -580,7 +580,7 @@
           <p:cNvPr id="3" name="竖排文字占位符 2">
             <a:extLst>
               <a:ext uri="{FF2B5EF4-FFF2-40B4-BE49-F238E27FC236}">
-                <a16:creationId xmlns:a16="http://schemas.microsoft.com/office/drawing/2014/main" id="{15EFA197-C5BE-0C7B-55DD-AC9A85C42664}"/>
+                <a16:creationId xmlns:a16="http://schemas.microsoft.com/office/drawing/2014/main" id="{9CC5E208-9B6B-6F1B-6E23-1717735ABA3D}"/>
               </a:ext>
             </a:extLst>
           </p:cNvPr>
@@ -642,7 +642,7 @@
           <p:cNvPr id="4" name="日期占位符 3">
             <a:extLst>
               <a:ext uri="{FF2B5EF4-FFF2-40B4-BE49-F238E27FC236}">
-                <a16:creationId xmlns:a16="http://schemas.microsoft.com/office/drawing/2014/main" id="{E0862B0B-B1DB-292C-9AE8-2CFA235DCEBC}"/>
+                <a16:creationId xmlns:a16="http://schemas.microsoft.com/office/drawing/2014/main" id="{0EF66B15-D904-EADC-54EA-109C1E87D8ED}"/>
               </a:ext>
             </a:extLst>
           </p:cNvPr>
@@ -658,7 +658,7 @@
           <a:bodyPr/>
           <a:lstStyle/>
           <a:p>
-            <a:fld id="{CEE0DE3D-B73C-452C-AD97-B5949F03E839}" type="datetimeFigureOut">
+            <a:fld id="{3486D8CA-F5AB-4A2E-A218-1074A6778338}" type="datetimeFigureOut">
               <a:rPr lang="zh-CN" altLang="en-US" smtClean="0"/>
               <a:t>2024/3/10</a:t>
             </a:fld>
@@ -671,7 +671,7 @@
           <p:cNvPr id="5" name="页脚占位符 4">
             <a:extLst>
               <a:ext uri="{FF2B5EF4-FFF2-40B4-BE49-F238E27FC236}">
-                <a16:creationId xmlns:a16="http://schemas.microsoft.com/office/drawing/2014/main" id="{7538EF97-EA9C-2D33-ABF0-DE3A32FBD60C}"/>
+                <a16:creationId xmlns:a16="http://schemas.microsoft.com/office/drawing/2014/main" id="{35EFEA1C-D95B-3C48-C18E-3F94E7D484B4}"/>
               </a:ext>
             </a:extLst>
           </p:cNvPr>
@@ -696,7 +696,7 @@
           <p:cNvPr id="6" name="灯片编号占位符 5">
             <a:extLst>
               <a:ext uri="{FF2B5EF4-FFF2-40B4-BE49-F238E27FC236}">
-                <a16:creationId xmlns:a16="http://schemas.microsoft.com/office/drawing/2014/main" id="{AF42F52D-09F9-7191-89A7-37B593124419}"/>
+                <a16:creationId xmlns:a16="http://schemas.microsoft.com/office/drawing/2014/main" id="{A684CD73-02AE-5095-97ED-B71B2657B4F4}"/>
               </a:ext>
             </a:extLst>
           </p:cNvPr>
@@ -712,7 +712,7 @@
           <a:bodyPr/>
           <a:lstStyle/>
           <a:p>
-            <a:fld id="{D1BB1509-E2FD-4D06-B690-AFB09351A13C}" type="slidenum">
+            <a:fld id="{010B7AD3-7562-433D-A386-5B14F947B1C2}" type="slidenum">
               <a:rPr lang="zh-CN" altLang="en-US" smtClean="0"/>
               <a:t>‹#›</a:t>
             </a:fld>
@@ -723,7 +723,7 @@
     </p:spTree>
     <p:extLst>
       <p:ext uri="{BB962C8B-B14F-4D97-AF65-F5344CB8AC3E}">
-        <p14:creationId xmlns:p14="http://schemas.microsoft.com/office/powerpoint/2010/main" val="3928796073"/>
+        <p14:creationId xmlns:p14="http://schemas.microsoft.com/office/powerpoint/2010/main" val="1344477351"/>
       </p:ext>
     </p:extLst>
   </p:cSld>
@@ -755,7 +755,7 @@
           <p:cNvPr id="2" name="标题 1">
             <a:extLst>
               <a:ext uri="{FF2B5EF4-FFF2-40B4-BE49-F238E27FC236}">
-                <a16:creationId xmlns:a16="http://schemas.microsoft.com/office/drawing/2014/main" id="{DEA0508A-BF96-C9C5-4859-E4F0AA6B4143}"/>
+                <a16:creationId xmlns:a16="http://schemas.microsoft.com/office/drawing/2014/main" id="{A1D47F4C-49B7-4B4B-E78B-75097EF0E02C}"/>
               </a:ext>
             </a:extLst>
           </p:cNvPr>
@@ -783,7 +783,7 @@
           <p:cNvPr id="3" name="内容占位符 2">
             <a:extLst>
               <a:ext uri="{FF2B5EF4-FFF2-40B4-BE49-F238E27FC236}">
-                <a16:creationId xmlns:a16="http://schemas.microsoft.com/office/drawing/2014/main" id="{0BC54F22-FA3A-A32F-BA02-A7145D74EE3D}"/>
+                <a16:creationId xmlns:a16="http://schemas.microsoft.com/office/drawing/2014/main" id="{BB10B79B-28A2-F112-8284-1D46E47DFF56}"/>
               </a:ext>
             </a:extLst>
           </p:cNvPr>
@@ -840,7 +840,7 @@
           <p:cNvPr id="4" name="日期占位符 3">
             <a:extLst>
               <a:ext uri="{FF2B5EF4-FFF2-40B4-BE49-F238E27FC236}">
-                <a16:creationId xmlns:a16="http://schemas.microsoft.com/office/drawing/2014/main" id="{C0240CF4-89BC-DEDB-74E5-F744C92BB471}"/>
+                <a16:creationId xmlns:a16="http://schemas.microsoft.com/office/drawing/2014/main" id="{4237EDCF-6C66-3D85-5E8C-436A7E9D5E69}"/>
               </a:ext>
             </a:extLst>
           </p:cNvPr>
@@ -856,7 +856,7 @@
           <a:bodyPr/>
           <a:lstStyle/>
           <a:p>
-            <a:fld id="{CEE0DE3D-B73C-452C-AD97-B5949F03E839}" type="datetimeFigureOut">
+            <a:fld id="{3486D8CA-F5AB-4A2E-A218-1074A6778338}" type="datetimeFigureOut">
               <a:rPr lang="zh-CN" altLang="en-US" smtClean="0"/>
               <a:t>2024/3/10</a:t>
             </a:fld>
@@ -869,7 +869,7 @@
           <p:cNvPr id="5" name="页脚占位符 4">
             <a:extLst>
               <a:ext uri="{FF2B5EF4-FFF2-40B4-BE49-F238E27FC236}">
-                <a16:creationId xmlns:a16="http://schemas.microsoft.com/office/drawing/2014/main" id="{5D4960BC-DD9C-9C91-BB78-B1AC9475F2FF}"/>
+                <a16:creationId xmlns:a16="http://schemas.microsoft.com/office/drawing/2014/main" id="{C863A78F-1AF6-349E-F911-445E5FDD11DF}"/>
               </a:ext>
             </a:extLst>
           </p:cNvPr>
@@ -894,7 +894,7 @@
           <p:cNvPr id="6" name="灯片编号占位符 5">
             <a:extLst>
               <a:ext uri="{FF2B5EF4-FFF2-40B4-BE49-F238E27FC236}">
-                <a16:creationId xmlns:a16="http://schemas.microsoft.com/office/drawing/2014/main" id="{BBA1B80E-BA55-F1DA-D31F-6B77AB52B271}"/>
+                <a16:creationId xmlns:a16="http://schemas.microsoft.com/office/drawing/2014/main" id="{05906C70-D86D-596B-484C-0980214ABBFB}"/>
               </a:ext>
             </a:extLst>
           </p:cNvPr>
@@ -910,7 +910,7 @@
           <a:bodyPr/>
           <a:lstStyle/>
           <a:p>
-            <a:fld id="{D1BB1509-E2FD-4D06-B690-AFB09351A13C}" type="slidenum">
+            <a:fld id="{010B7AD3-7562-433D-A386-5B14F947B1C2}" type="slidenum">
               <a:rPr lang="zh-CN" altLang="en-US" smtClean="0"/>
               <a:t>‹#›</a:t>
             </a:fld>
@@ -921,7 +921,7 @@
     </p:spTree>
     <p:extLst>
       <p:ext uri="{BB962C8B-B14F-4D97-AF65-F5344CB8AC3E}">
-        <p14:creationId xmlns:p14="http://schemas.microsoft.com/office/powerpoint/2010/main" val="3927512567"/>
+        <p14:creationId xmlns:p14="http://schemas.microsoft.com/office/powerpoint/2010/main" val="445633697"/>
       </p:ext>
     </p:extLst>
   </p:cSld>
@@ -953,7 +953,7 @@
           <p:cNvPr id="2" name="标题 1">
             <a:extLst>
               <a:ext uri="{FF2B5EF4-FFF2-40B4-BE49-F238E27FC236}">
-                <a16:creationId xmlns:a16="http://schemas.microsoft.com/office/drawing/2014/main" id="{A6D91BFF-017D-FEB0-EDA6-65B1B6ADF55D}"/>
+                <a16:creationId xmlns:a16="http://schemas.microsoft.com/office/drawing/2014/main" id="{4471D433-19F7-6D09-5FDC-3DBBDE692475}"/>
               </a:ext>
             </a:extLst>
           </p:cNvPr>
@@ -990,7 +990,7 @@
           <p:cNvPr id="3" name="文本占位符 2">
             <a:extLst>
               <a:ext uri="{FF2B5EF4-FFF2-40B4-BE49-F238E27FC236}">
-                <a16:creationId xmlns:a16="http://schemas.microsoft.com/office/drawing/2014/main" id="{715DAE0E-9E56-7A7D-448A-31C20AAA8727}"/>
+                <a16:creationId xmlns:a16="http://schemas.microsoft.com/office/drawing/2014/main" id="{2AE49BB6-FF05-408A-8C53-3D130CE964E2}"/>
               </a:ext>
             </a:extLst>
           </p:cNvPr>
@@ -1115,7 +1115,7 @@
           <p:cNvPr id="4" name="日期占位符 3">
             <a:extLst>
               <a:ext uri="{FF2B5EF4-FFF2-40B4-BE49-F238E27FC236}">
-                <a16:creationId xmlns:a16="http://schemas.microsoft.com/office/drawing/2014/main" id="{515EE31E-A59E-EAE9-6799-1D499DAA8CB5}"/>
+                <a16:creationId xmlns:a16="http://schemas.microsoft.com/office/drawing/2014/main" id="{55C9E6DA-F7F5-C497-A085-593A6DF58557}"/>
               </a:ext>
             </a:extLst>
           </p:cNvPr>
@@ -1131,7 +1131,7 @@
           <a:bodyPr/>
           <a:lstStyle/>
           <a:p>
-            <a:fld id="{CEE0DE3D-B73C-452C-AD97-B5949F03E839}" type="datetimeFigureOut">
+            <a:fld id="{3486D8CA-F5AB-4A2E-A218-1074A6778338}" type="datetimeFigureOut">
               <a:rPr lang="zh-CN" altLang="en-US" smtClean="0"/>
               <a:t>2024/3/10</a:t>
             </a:fld>
@@ -1144,7 +1144,7 @@
           <p:cNvPr id="5" name="页脚占位符 4">
             <a:extLst>
               <a:ext uri="{FF2B5EF4-FFF2-40B4-BE49-F238E27FC236}">
-                <a16:creationId xmlns:a16="http://schemas.microsoft.com/office/drawing/2014/main" id="{F8B7B2B1-38AB-3F33-5FE0-104F999F0BA2}"/>
+                <a16:creationId xmlns:a16="http://schemas.microsoft.com/office/drawing/2014/main" id="{41A4B071-8652-CA95-8B3A-892CA1F1E27D}"/>
               </a:ext>
             </a:extLst>
           </p:cNvPr>
@@ -1169,7 +1169,7 @@
           <p:cNvPr id="6" name="灯片编号占位符 5">
             <a:extLst>
               <a:ext uri="{FF2B5EF4-FFF2-40B4-BE49-F238E27FC236}">
-                <a16:creationId xmlns:a16="http://schemas.microsoft.com/office/drawing/2014/main" id="{9531BC1E-C208-8B0E-1BCD-9A86B5C1C41A}"/>
+                <a16:creationId xmlns:a16="http://schemas.microsoft.com/office/drawing/2014/main" id="{7518586A-9B76-4BBD-443B-49F8C146B9DB}"/>
               </a:ext>
             </a:extLst>
           </p:cNvPr>
@@ -1185,7 +1185,7 @@
           <a:bodyPr/>
           <a:lstStyle/>
           <a:p>
-            <a:fld id="{D1BB1509-E2FD-4D06-B690-AFB09351A13C}" type="slidenum">
+            <a:fld id="{010B7AD3-7562-433D-A386-5B14F947B1C2}" type="slidenum">
               <a:rPr lang="zh-CN" altLang="en-US" smtClean="0"/>
               <a:t>‹#›</a:t>
             </a:fld>
@@ -1196,7 +1196,7 @@
     </p:spTree>
     <p:extLst>
       <p:ext uri="{BB962C8B-B14F-4D97-AF65-F5344CB8AC3E}">
-        <p14:creationId xmlns:p14="http://schemas.microsoft.com/office/powerpoint/2010/main" val="503913347"/>
+        <p14:creationId xmlns:p14="http://schemas.microsoft.com/office/powerpoint/2010/main" val="295442644"/>
       </p:ext>
     </p:extLst>
   </p:cSld>
@@ -1228,7 +1228,7 @@
           <p:cNvPr id="2" name="标题 1">
             <a:extLst>
               <a:ext uri="{FF2B5EF4-FFF2-40B4-BE49-F238E27FC236}">
-                <a16:creationId xmlns:a16="http://schemas.microsoft.com/office/drawing/2014/main" id="{EB47377A-5663-9605-E495-752C4885D32B}"/>
+                <a16:creationId xmlns:a16="http://schemas.microsoft.com/office/drawing/2014/main" id="{DBAFF88C-5495-67CB-50A2-65F34EE2C97F}"/>
               </a:ext>
             </a:extLst>
           </p:cNvPr>
@@ -1256,7 +1256,7 @@
           <p:cNvPr id="3" name="内容占位符 2">
             <a:extLst>
               <a:ext uri="{FF2B5EF4-FFF2-40B4-BE49-F238E27FC236}">
-                <a16:creationId xmlns:a16="http://schemas.microsoft.com/office/drawing/2014/main" id="{6236AECC-BD0F-7F1D-17B3-A3FD18F8B5FA}"/>
+                <a16:creationId xmlns:a16="http://schemas.microsoft.com/office/drawing/2014/main" id="{BB7DE0FE-D1CB-8942-9194-A8E0D1181B82}"/>
               </a:ext>
             </a:extLst>
           </p:cNvPr>
@@ -1318,7 +1318,7 @@
           <p:cNvPr id="4" name="内容占位符 3">
             <a:extLst>
               <a:ext uri="{FF2B5EF4-FFF2-40B4-BE49-F238E27FC236}">
-                <a16:creationId xmlns:a16="http://schemas.microsoft.com/office/drawing/2014/main" id="{239E8D01-812F-03ED-0AB8-C1661417C10C}"/>
+                <a16:creationId xmlns:a16="http://schemas.microsoft.com/office/drawing/2014/main" id="{82BF911D-1A92-C362-DD8D-CED74E858BC3}"/>
               </a:ext>
             </a:extLst>
           </p:cNvPr>
@@ -1380,7 +1380,7 @@
           <p:cNvPr id="5" name="日期占位符 4">
             <a:extLst>
               <a:ext uri="{FF2B5EF4-FFF2-40B4-BE49-F238E27FC236}">
-                <a16:creationId xmlns:a16="http://schemas.microsoft.com/office/drawing/2014/main" id="{BAA70955-FE9A-1554-A597-626DC797850B}"/>
+                <a16:creationId xmlns:a16="http://schemas.microsoft.com/office/drawing/2014/main" id="{16404F98-4BC0-1905-82C0-991265C9AEC2}"/>
               </a:ext>
             </a:extLst>
           </p:cNvPr>
@@ -1396,7 +1396,7 @@
           <a:bodyPr/>
           <a:lstStyle/>
           <a:p>
-            <a:fld id="{CEE0DE3D-B73C-452C-AD97-B5949F03E839}" type="datetimeFigureOut">
+            <a:fld id="{3486D8CA-F5AB-4A2E-A218-1074A6778338}" type="datetimeFigureOut">
               <a:rPr lang="zh-CN" altLang="en-US" smtClean="0"/>
               <a:t>2024/3/10</a:t>
             </a:fld>
@@ -1409,7 +1409,7 @@
           <p:cNvPr id="6" name="页脚占位符 5">
             <a:extLst>
               <a:ext uri="{FF2B5EF4-FFF2-40B4-BE49-F238E27FC236}">
-                <a16:creationId xmlns:a16="http://schemas.microsoft.com/office/drawing/2014/main" id="{6998D02B-2685-7A92-B54F-A3438316339F}"/>
+                <a16:creationId xmlns:a16="http://schemas.microsoft.com/office/drawing/2014/main" id="{B0AC2D0F-6461-4337-1E8C-0462613354B5}"/>
               </a:ext>
             </a:extLst>
           </p:cNvPr>
@@ -1434,7 +1434,7 @@
           <p:cNvPr id="7" name="灯片编号占位符 6">
             <a:extLst>
               <a:ext uri="{FF2B5EF4-FFF2-40B4-BE49-F238E27FC236}">
-                <a16:creationId xmlns:a16="http://schemas.microsoft.com/office/drawing/2014/main" id="{F22AC8CD-F61A-D589-5DBD-08C5EAD839FF}"/>
+                <a16:creationId xmlns:a16="http://schemas.microsoft.com/office/drawing/2014/main" id="{FE2E2413-A877-EDF3-BA22-6DE5E94E9231}"/>
               </a:ext>
             </a:extLst>
           </p:cNvPr>
@@ -1450,7 +1450,7 @@
           <a:bodyPr/>
           <a:lstStyle/>
           <a:p>
-            <a:fld id="{D1BB1509-E2FD-4D06-B690-AFB09351A13C}" type="slidenum">
+            <a:fld id="{010B7AD3-7562-433D-A386-5B14F947B1C2}" type="slidenum">
               <a:rPr lang="zh-CN" altLang="en-US" smtClean="0"/>
               <a:t>‹#›</a:t>
             </a:fld>
@@ -1461,7 +1461,7 @@
     </p:spTree>
     <p:extLst>
       <p:ext uri="{BB962C8B-B14F-4D97-AF65-F5344CB8AC3E}">
-        <p14:creationId xmlns:p14="http://schemas.microsoft.com/office/powerpoint/2010/main" val="2795719805"/>
+        <p14:creationId xmlns:p14="http://schemas.microsoft.com/office/powerpoint/2010/main" val="530928962"/>
       </p:ext>
     </p:extLst>
   </p:cSld>
@@ -1493,7 +1493,7 @@
           <p:cNvPr id="2" name="标题 1">
             <a:extLst>
               <a:ext uri="{FF2B5EF4-FFF2-40B4-BE49-F238E27FC236}">
-                <a16:creationId xmlns:a16="http://schemas.microsoft.com/office/drawing/2014/main" id="{45AA64DE-D42D-21EE-B083-93206A8D7320}"/>
+                <a16:creationId xmlns:a16="http://schemas.microsoft.com/office/drawing/2014/main" id="{BDA64A86-6C8B-86E4-226E-CF9E1C0528C7}"/>
               </a:ext>
             </a:extLst>
           </p:cNvPr>
@@ -1526,7 +1526,7 @@
           <p:cNvPr id="3" name="文本占位符 2">
             <a:extLst>
               <a:ext uri="{FF2B5EF4-FFF2-40B4-BE49-F238E27FC236}">
-                <a16:creationId xmlns:a16="http://schemas.microsoft.com/office/drawing/2014/main" id="{BDFEE9CC-FDBB-F745-458E-C7B4C9CE38C3}"/>
+                <a16:creationId xmlns:a16="http://schemas.microsoft.com/office/drawing/2014/main" id="{B52A4F4E-D0A6-4524-DD11-3D2CDC1023BA}"/>
               </a:ext>
             </a:extLst>
           </p:cNvPr>
@@ -1597,7 +1597,7 @@
           <p:cNvPr id="4" name="内容占位符 3">
             <a:extLst>
               <a:ext uri="{FF2B5EF4-FFF2-40B4-BE49-F238E27FC236}">
-                <a16:creationId xmlns:a16="http://schemas.microsoft.com/office/drawing/2014/main" id="{EE284FA5-5DEB-D95D-C0BA-BCDAC1F51444}"/>
+                <a16:creationId xmlns:a16="http://schemas.microsoft.com/office/drawing/2014/main" id="{D8A0F61E-668D-8812-7BDF-2EEBCABB721D}"/>
               </a:ext>
             </a:extLst>
           </p:cNvPr>
@@ -1659,7 +1659,7 @@
           <p:cNvPr id="5" name="文本占位符 4">
             <a:extLst>
               <a:ext uri="{FF2B5EF4-FFF2-40B4-BE49-F238E27FC236}">
-                <a16:creationId xmlns:a16="http://schemas.microsoft.com/office/drawing/2014/main" id="{7213EE57-24C2-B2A9-724C-AAB06E6BFBDF}"/>
+                <a16:creationId xmlns:a16="http://schemas.microsoft.com/office/drawing/2014/main" id="{EAB79D80-B6EF-5C71-0F78-09DE11A47B3E}"/>
               </a:ext>
             </a:extLst>
           </p:cNvPr>
@@ -1730,7 +1730,7 @@
           <p:cNvPr id="6" name="内容占位符 5">
             <a:extLst>
               <a:ext uri="{FF2B5EF4-FFF2-40B4-BE49-F238E27FC236}">
-                <a16:creationId xmlns:a16="http://schemas.microsoft.com/office/drawing/2014/main" id="{D03EE1F9-EFB2-59F8-2C3B-22C46318EE54}"/>
+                <a16:creationId xmlns:a16="http://schemas.microsoft.com/office/drawing/2014/main" id="{582C3018-908F-AED0-6075-80AD25C4B0AA}"/>
               </a:ext>
             </a:extLst>
           </p:cNvPr>
@@ -1792,7 +1792,7 @@
           <p:cNvPr id="7" name="日期占位符 6">
             <a:extLst>
               <a:ext uri="{FF2B5EF4-FFF2-40B4-BE49-F238E27FC236}">
-                <a16:creationId xmlns:a16="http://schemas.microsoft.com/office/drawing/2014/main" id="{703F1DD0-D0FB-8EEA-19B5-8BC4777E5AB8}"/>
+                <a16:creationId xmlns:a16="http://schemas.microsoft.com/office/drawing/2014/main" id="{6900827C-3225-94E1-0305-7F42476973FC}"/>
               </a:ext>
             </a:extLst>
           </p:cNvPr>
@@ -1808,7 +1808,7 @@
           <a:bodyPr/>
           <a:lstStyle/>
           <a:p>
-            <a:fld id="{CEE0DE3D-B73C-452C-AD97-B5949F03E839}" type="datetimeFigureOut">
+            <a:fld id="{3486D8CA-F5AB-4A2E-A218-1074A6778338}" type="datetimeFigureOut">
               <a:rPr lang="zh-CN" altLang="en-US" smtClean="0"/>
               <a:t>2024/3/10</a:t>
             </a:fld>
@@ -1821,7 +1821,7 @@
           <p:cNvPr id="8" name="页脚占位符 7">
             <a:extLst>
               <a:ext uri="{FF2B5EF4-FFF2-40B4-BE49-F238E27FC236}">
-                <a16:creationId xmlns:a16="http://schemas.microsoft.com/office/drawing/2014/main" id="{584098DD-CE8F-50E4-9CD7-F7DD916BC6FF}"/>
+                <a16:creationId xmlns:a16="http://schemas.microsoft.com/office/drawing/2014/main" id="{50EF3F0E-766F-1527-C508-207C05C965CA}"/>
               </a:ext>
             </a:extLst>
           </p:cNvPr>
@@ -1846,7 +1846,7 @@
           <p:cNvPr id="9" name="灯片编号占位符 8">
             <a:extLst>
               <a:ext uri="{FF2B5EF4-FFF2-40B4-BE49-F238E27FC236}">
-                <a16:creationId xmlns:a16="http://schemas.microsoft.com/office/drawing/2014/main" id="{AB270C81-482A-BA38-4B5D-5C74599E382C}"/>
+                <a16:creationId xmlns:a16="http://schemas.microsoft.com/office/drawing/2014/main" id="{725FF870-D6BB-9E30-3480-4540AB73F68B}"/>
               </a:ext>
             </a:extLst>
           </p:cNvPr>
@@ -1862,7 +1862,7 @@
           <a:bodyPr/>
           <a:lstStyle/>
           <a:p>
-            <a:fld id="{D1BB1509-E2FD-4D06-B690-AFB09351A13C}" type="slidenum">
+            <a:fld id="{010B7AD3-7562-433D-A386-5B14F947B1C2}" type="slidenum">
               <a:rPr lang="zh-CN" altLang="en-US" smtClean="0"/>
               <a:t>‹#›</a:t>
             </a:fld>
@@ -1873,7 +1873,7 @@
     </p:spTree>
     <p:extLst>
       <p:ext uri="{BB962C8B-B14F-4D97-AF65-F5344CB8AC3E}">
-        <p14:creationId xmlns:p14="http://schemas.microsoft.com/office/powerpoint/2010/main" val="3821335297"/>
+        <p14:creationId xmlns:p14="http://schemas.microsoft.com/office/powerpoint/2010/main" val="4273419224"/>
       </p:ext>
     </p:extLst>
   </p:cSld>
@@ -1905,7 +1905,7 @@
           <p:cNvPr id="2" name="标题 1">
             <a:extLst>
               <a:ext uri="{FF2B5EF4-FFF2-40B4-BE49-F238E27FC236}">
-                <a16:creationId xmlns:a16="http://schemas.microsoft.com/office/drawing/2014/main" id="{9372C1B5-0699-422A-BC44-BA7A40001734}"/>
+                <a16:creationId xmlns:a16="http://schemas.microsoft.com/office/drawing/2014/main" id="{CBC33201-D695-23A0-C038-90234FE9F94A}"/>
               </a:ext>
             </a:extLst>
           </p:cNvPr>
@@ -1933,7 +1933,7 @@
           <p:cNvPr id="3" name="日期占位符 2">
             <a:extLst>
               <a:ext uri="{FF2B5EF4-FFF2-40B4-BE49-F238E27FC236}">
-                <a16:creationId xmlns:a16="http://schemas.microsoft.com/office/drawing/2014/main" id="{15A661AA-557C-BF6D-4752-E4C2D4E934BD}"/>
+                <a16:creationId xmlns:a16="http://schemas.microsoft.com/office/drawing/2014/main" id="{7AAEE282-B4F9-6983-9C94-1683F95E11A9}"/>
               </a:ext>
             </a:extLst>
           </p:cNvPr>
@@ -1949,7 +1949,7 @@
           <a:bodyPr/>
           <a:lstStyle/>
           <a:p>
-            <a:fld id="{CEE0DE3D-B73C-452C-AD97-B5949F03E839}" type="datetimeFigureOut">
+            <a:fld id="{3486D8CA-F5AB-4A2E-A218-1074A6778338}" type="datetimeFigureOut">
               <a:rPr lang="zh-CN" altLang="en-US" smtClean="0"/>
               <a:t>2024/3/10</a:t>
             </a:fld>
@@ -1962,7 +1962,7 @@
           <p:cNvPr id="4" name="页脚占位符 3">
             <a:extLst>
               <a:ext uri="{FF2B5EF4-FFF2-40B4-BE49-F238E27FC236}">
-                <a16:creationId xmlns:a16="http://schemas.microsoft.com/office/drawing/2014/main" id="{124C054E-5198-2625-2C11-D0CB46062A73}"/>
+                <a16:creationId xmlns:a16="http://schemas.microsoft.com/office/drawing/2014/main" id="{C9E91FBE-185A-F6C1-D535-12522CC83762}"/>
               </a:ext>
             </a:extLst>
           </p:cNvPr>
@@ -1987,7 +1987,7 @@
           <p:cNvPr id="5" name="灯片编号占位符 4">
             <a:extLst>
               <a:ext uri="{FF2B5EF4-FFF2-40B4-BE49-F238E27FC236}">
-                <a16:creationId xmlns:a16="http://schemas.microsoft.com/office/drawing/2014/main" id="{F0E14E35-1625-2CBB-A71C-0C9D6D3DEF27}"/>
+                <a16:creationId xmlns:a16="http://schemas.microsoft.com/office/drawing/2014/main" id="{56FB7E21-D504-0402-7DDC-DE680557840C}"/>
               </a:ext>
             </a:extLst>
           </p:cNvPr>
@@ -2003,7 +2003,7 @@
           <a:bodyPr/>
           <a:lstStyle/>
           <a:p>
-            <a:fld id="{D1BB1509-E2FD-4D06-B690-AFB09351A13C}" type="slidenum">
+            <a:fld id="{010B7AD3-7562-433D-A386-5B14F947B1C2}" type="slidenum">
               <a:rPr lang="zh-CN" altLang="en-US" smtClean="0"/>
               <a:t>‹#›</a:t>
             </a:fld>
@@ -2014,7 +2014,7 @@
     </p:spTree>
     <p:extLst>
       <p:ext uri="{BB962C8B-B14F-4D97-AF65-F5344CB8AC3E}">
-        <p14:creationId xmlns:p14="http://schemas.microsoft.com/office/powerpoint/2010/main" val="3895333453"/>
+        <p14:creationId xmlns:p14="http://schemas.microsoft.com/office/powerpoint/2010/main" val="2751616180"/>
       </p:ext>
     </p:extLst>
   </p:cSld>
@@ -2046,7 +2046,7 @@
           <p:cNvPr id="2" name="日期占位符 1">
             <a:extLst>
               <a:ext uri="{FF2B5EF4-FFF2-40B4-BE49-F238E27FC236}">
-                <a16:creationId xmlns:a16="http://schemas.microsoft.com/office/drawing/2014/main" id="{7D22815A-4295-8CC2-DFED-FE69F17D65D1}"/>
+                <a16:creationId xmlns:a16="http://schemas.microsoft.com/office/drawing/2014/main" id="{760C1CE4-7BB5-4ED2-F25C-69C0D00B2EFD}"/>
               </a:ext>
             </a:extLst>
           </p:cNvPr>
@@ -2062,7 +2062,7 @@
           <a:bodyPr/>
           <a:lstStyle/>
           <a:p>
-            <a:fld id="{CEE0DE3D-B73C-452C-AD97-B5949F03E839}" type="datetimeFigureOut">
+            <a:fld id="{3486D8CA-F5AB-4A2E-A218-1074A6778338}" type="datetimeFigureOut">
               <a:rPr lang="zh-CN" altLang="en-US" smtClean="0"/>
               <a:t>2024/3/10</a:t>
             </a:fld>
@@ -2075,7 +2075,7 @@
           <p:cNvPr id="3" name="页脚占位符 2">
             <a:extLst>
               <a:ext uri="{FF2B5EF4-FFF2-40B4-BE49-F238E27FC236}">
-                <a16:creationId xmlns:a16="http://schemas.microsoft.com/office/drawing/2014/main" id="{33B988D0-427C-BFA8-3C80-9718D06EB310}"/>
+                <a16:creationId xmlns:a16="http://schemas.microsoft.com/office/drawing/2014/main" id="{8D5D4CBB-3F02-D1B3-9341-FFA9DE31446E}"/>
               </a:ext>
             </a:extLst>
           </p:cNvPr>
@@ -2100,7 +2100,7 @@
           <p:cNvPr id="4" name="灯片编号占位符 3">
             <a:extLst>
               <a:ext uri="{FF2B5EF4-FFF2-40B4-BE49-F238E27FC236}">
-                <a16:creationId xmlns:a16="http://schemas.microsoft.com/office/drawing/2014/main" id="{2338E2CC-2C99-F6B4-0196-40C81D6529B7}"/>
+                <a16:creationId xmlns:a16="http://schemas.microsoft.com/office/drawing/2014/main" id="{0912B645-990B-B9B7-0623-639F2D0D2F86}"/>
               </a:ext>
             </a:extLst>
           </p:cNvPr>
@@ -2116,7 +2116,7 @@
           <a:bodyPr/>
           <a:lstStyle/>
           <a:p>
-            <a:fld id="{D1BB1509-E2FD-4D06-B690-AFB09351A13C}" type="slidenum">
+            <a:fld id="{010B7AD3-7562-433D-A386-5B14F947B1C2}" type="slidenum">
               <a:rPr lang="zh-CN" altLang="en-US" smtClean="0"/>
               <a:t>‹#›</a:t>
             </a:fld>
@@ -2127,7 +2127,7 @@
     </p:spTree>
     <p:extLst>
       <p:ext uri="{BB962C8B-B14F-4D97-AF65-F5344CB8AC3E}">
-        <p14:creationId xmlns:p14="http://schemas.microsoft.com/office/powerpoint/2010/main" val="1357943518"/>
+        <p14:creationId xmlns:p14="http://schemas.microsoft.com/office/powerpoint/2010/main" val="4285044587"/>
       </p:ext>
     </p:extLst>
   </p:cSld>
@@ -2159,7 +2159,7 @@
           <p:cNvPr id="2" name="标题 1">
             <a:extLst>
               <a:ext uri="{FF2B5EF4-FFF2-40B4-BE49-F238E27FC236}">
-                <a16:creationId xmlns:a16="http://schemas.microsoft.com/office/drawing/2014/main" id="{90465DBE-1DBD-67B5-234D-73FF7F545B54}"/>
+                <a16:creationId xmlns:a16="http://schemas.microsoft.com/office/drawing/2014/main" id="{9E003991-4DB4-2EDC-3E8A-19599F2A9AE0}"/>
               </a:ext>
             </a:extLst>
           </p:cNvPr>
@@ -2196,7 +2196,7 @@
           <p:cNvPr id="3" name="内容占位符 2">
             <a:extLst>
               <a:ext uri="{FF2B5EF4-FFF2-40B4-BE49-F238E27FC236}">
-                <a16:creationId xmlns:a16="http://schemas.microsoft.com/office/drawing/2014/main" id="{4CE3DDE5-0AB5-5F18-3080-7A98657714F0}"/>
+                <a16:creationId xmlns:a16="http://schemas.microsoft.com/office/drawing/2014/main" id="{E35FD2FE-5EF3-0B60-8280-DC84872793D8}"/>
               </a:ext>
             </a:extLst>
           </p:cNvPr>
@@ -2286,7 +2286,7 @@
           <p:cNvPr id="4" name="文本占位符 3">
             <a:extLst>
               <a:ext uri="{FF2B5EF4-FFF2-40B4-BE49-F238E27FC236}">
-                <a16:creationId xmlns:a16="http://schemas.microsoft.com/office/drawing/2014/main" id="{2ED5E4A3-A75E-13F2-C807-860E6F278D16}"/>
+                <a16:creationId xmlns:a16="http://schemas.microsoft.com/office/drawing/2014/main" id="{733840CF-EFEC-D082-BF9B-9BEEBC7C1A30}"/>
               </a:ext>
             </a:extLst>
           </p:cNvPr>
@@ -2357,7 +2357,7 @@
           <p:cNvPr id="5" name="日期占位符 4">
             <a:extLst>
               <a:ext uri="{FF2B5EF4-FFF2-40B4-BE49-F238E27FC236}">
-                <a16:creationId xmlns:a16="http://schemas.microsoft.com/office/drawing/2014/main" id="{5DA0472E-9FD5-2999-FDDB-32DA0BB27EE7}"/>
+                <a16:creationId xmlns:a16="http://schemas.microsoft.com/office/drawing/2014/main" id="{E123F53C-B386-2F79-ED3D-4E0678B2A2CF}"/>
               </a:ext>
             </a:extLst>
           </p:cNvPr>
@@ -2373,7 +2373,7 @@
           <a:bodyPr/>
           <a:lstStyle/>
           <a:p>
-            <a:fld id="{CEE0DE3D-B73C-452C-AD97-B5949F03E839}" type="datetimeFigureOut">
+            <a:fld id="{3486D8CA-F5AB-4A2E-A218-1074A6778338}" type="datetimeFigureOut">
               <a:rPr lang="zh-CN" altLang="en-US" smtClean="0"/>
               <a:t>2024/3/10</a:t>
             </a:fld>
@@ -2386,7 +2386,7 @@
           <p:cNvPr id="6" name="页脚占位符 5">
             <a:extLst>
               <a:ext uri="{FF2B5EF4-FFF2-40B4-BE49-F238E27FC236}">
-                <a16:creationId xmlns:a16="http://schemas.microsoft.com/office/drawing/2014/main" id="{DB61606A-6061-2371-E66C-E2339C011792}"/>
+                <a16:creationId xmlns:a16="http://schemas.microsoft.com/office/drawing/2014/main" id="{983C1AFF-1E00-0708-6AB0-4232E9932704}"/>
               </a:ext>
             </a:extLst>
           </p:cNvPr>
@@ -2411,7 +2411,7 @@
           <p:cNvPr id="7" name="灯片编号占位符 6">
             <a:extLst>
               <a:ext uri="{FF2B5EF4-FFF2-40B4-BE49-F238E27FC236}">
-                <a16:creationId xmlns:a16="http://schemas.microsoft.com/office/drawing/2014/main" id="{C3F85ED4-4071-DB75-845D-9668E9FCF7E5}"/>
+                <a16:creationId xmlns:a16="http://schemas.microsoft.com/office/drawing/2014/main" id="{F2A7BD30-D894-64A7-0ADC-F4C64E9F5546}"/>
               </a:ext>
             </a:extLst>
           </p:cNvPr>
@@ -2427,7 +2427,7 @@
           <a:bodyPr/>
           <a:lstStyle/>
           <a:p>
-            <a:fld id="{D1BB1509-E2FD-4D06-B690-AFB09351A13C}" type="slidenum">
+            <a:fld id="{010B7AD3-7562-433D-A386-5B14F947B1C2}" type="slidenum">
               <a:rPr lang="zh-CN" altLang="en-US" smtClean="0"/>
               <a:t>‹#›</a:t>
             </a:fld>
@@ -2438,7 +2438,7 @@
     </p:spTree>
     <p:extLst>
       <p:ext uri="{BB962C8B-B14F-4D97-AF65-F5344CB8AC3E}">
-        <p14:creationId xmlns:p14="http://schemas.microsoft.com/office/powerpoint/2010/main" val="1794257650"/>
+        <p14:creationId xmlns:p14="http://schemas.microsoft.com/office/powerpoint/2010/main" val="926501029"/>
       </p:ext>
     </p:extLst>
   </p:cSld>
@@ -2470,7 +2470,7 @@
           <p:cNvPr id="2" name="标题 1">
             <a:extLst>
               <a:ext uri="{FF2B5EF4-FFF2-40B4-BE49-F238E27FC236}">
-                <a16:creationId xmlns:a16="http://schemas.microsoft.com/office/drawing/2014/main" id="{915C0047-D43E-183B-6ED2-2A030FB0108D}"/>
+                <a16:creationId xmlns:a16="http://schemas.microsoft.com/office/drawing/2014/main" id="{F74029C1-E103-24B0-2454-6FC7C7CFC620}"/>
               </a:ext>
             </a:extLst>
           </p:cNvPr>
@@ -2507,7 +2507,7 @@
           <p:cNvPr id="3" name="图片占位符 2">
             <a:extLst>
               <a:ext uri="{FF2B5EF4-FFF2-40B4-BE49-F238E27FC236}">
-                <a16:creationId xmlns:a16="http://schemas.microsoft.com/office/drawing/2014/main" id="{600EF7E5-2DFE-16F2-6323-82B1F1FA95B0}"/>
+                <a16:creationId xmlns:a16="http://schemas.microsoft.com/office/drawing/2014/main" id="{35B7A67B-E9AA-9BED-58D8-A060236E623B}"/>
               </a:ext>
             </a:extLst>
           </p:cNvPr>
@@ -2574,7 +2574,7 @@
           <p:cNvPr id="4" name="文本占位符 3">
             <a:extLst>
               <a:ext uri="{FF2B5EF4-FFF2-40B4-BE49-F238E27FC236}">
-                <a16:creationId xmlns:a16="http://schemas.microsoft.com/office/drawing/2014/main" id="{B8C709B9-5E4A-3D52-B5F1-122567517A34}"/>
+                <a16:creationId xmlns:a16="http://schemas.microsoft.com/office/drawing/2014/main" id="{AF2ED422-D607-6EA3-E237-AAAAE767AD87}"/>
               </a:ext>
             </a:extLst>
           </p:cNvPr>
@@ -2645,7 +2645,7 @@
           <p:cNvPr id="5" name="日期占位符 4">
             <a:extLst>
               <a:ext uri="{FF2B5EF4-FFF2-40B4-BE49-F238E27FC236}">
-                <a16:creationId xmlns:a16="http://schemas.microsoft.com/office/drawing/2014/main" id="{4EB24BFB-24AE-0FA0-CEDE-6AB35A9DF987}"/>
+                <a16:creationId xmlns:a16="http://schemas.microsoft.com/office/drawing/2014/main" id="{5EBDDAFA-6ABC-0748-2C70-F3AC9343167C}"/>
               </a:ext>
             </a:extLst>
           </p:cNvPr>
@@ -2661,7 +2661,7 @@
           <a:bodyPr/>
           <a:lstStyle/>
           <a:p>
-            <a:fld id="{CEE0DE3D-B73C-452C-AD97-B5949F03E839}" type="datetimeFigureOut">
+            <a:fld id="{3486D8CA-F5AB-4A2E-A218-1074A6778338}" type="datetimeFigureOut">
               <a:rPr lang="zh-CN" altLang="en-US" smtClean="0"/>
               <a:t>2024/3/10</a:t>
             </a:fld>
@@ -2674,7 +2674,7 @@
           <p:cNvPr id="6" name="页脚占位符 5">
             <a:extLst>
               <a:ext uri="{FF2B5EF4-FFF2-40B4-BE49-F238E27FC236}">
-                <a16:creationId xmlns:a16="http://schemas.microsoft.com/office/drawing/2014/main" id="{7B516957-0526-ACFB-5206-00CA8799F772}"/>
+                <a16:creationId xmlns:a16="http://schemas.microsoft.com/office/drawing/2014/main" id="{C81C08DF-BCA3-B82B-CBB5-C90621F0FC5F}"/>
               </a:ext>
             </a:extLst>
           </p:cNvPr>
@@ -2699,7 +2699,7 @@
           <p:cNvPr id="7" name="灯片编号占位符 6">
             <a:extLst>
               <a:ext uri="{FF2B5EF4-FFF2-40B4-BE49-F238E27FC236}">
-                <a16:creationId xmlns:a16="http://schemas.microsoft.com/office/drawing/2014/main" id="{36A4908C-9E3F-B8E0-6D6A-FDA3F7A1B3BD}"/>
+                <a16:creationId xmlns:a16="http://schemas.microsoft.com/office/drawing/2014/main" id="{8BB3A009-1E2F-D0B9-A38E-A62217F209BF}"/>
               </a:ext>
             </a:extLst>
           </p:cNvPr>
@@ -2715,7 +2715,7 @@
           <a:bodyPr/>
           <a:lstStyle/>
           <a:p>
-            <a:fld id="{D1BB1509-E2FD-4D06-B690-AFB09351A13C}" type="slidenum">
+            <a:fld id="{010B7AD3-7562-433D-A386-5B14F947B1C2}" type="slidenum">
               <a:rPr lang="zh-CN" altLang="en-US" smtClean="0"/>
               <a:t>‹#›</a:t>
             </a:fld>
@@ -2726,7 +2726,7 @@
     </p:spTree>
     <p:extLst>
       <p:ext uri="{BB962C8B-B14F-4D97-AF65-F5344CB8AC3E}">
-        <p14:creationId xmlns:p14="http://schemas.microsoft.com/office/powerpoint/2010/main" val="2438933910"/>
+        <p14:creationId xmlns:p14="http://schemas.microsoft.com/office/powerpoint/2010/main" val="332801683"/>
       </p:ext>
     </p:extLst>
   </p:cSld>
@@ -2763,7 +2763,7 @@
           <p:cNvPr id="2" name="标题占位符 1">
             <a:extLst>
               <a:ext uri="{FF2B5EF4-FFF2-40B4-BE49-F238E27FC236}">
-                <a16:creationId xmlns:a16="http://schemas.microsoft.com/office/drawing/2014/main" id="{B9F8EB1A-76A9-863E-4C0A-E0FD2580BAC7}"/>
+                <a16:creationId xmlns:a16="http://schemas.microsoft.com/office/drawing/2014/main" id="{DC76AB17-F574-3073-4CF9-BCC3F6579F05}"/>
               </a:ext>
             </a:extLst>
           </p:cNvPr>
@@ -2801,7 +2801,7 @@
           <p:cNvPr id="3" name="文本占位符 2">
             <a:extLst>
               <a:ext uri="{FF2B5EF4-FFF2-40B4-BE49-F238E27FC236}">
-                <a16:creationId xmlns:a16="http://schemas.microsoft.com/office/drawing/2014/main" id="{D27325C4-5550-F21B-D50D-DBA656C650B2}"/>
+                <a16:creationId xmlns:a16="http://schemas.microsoft.com/office/drawing/2014/main" id="{17AC9FE8-83F7-2DF6-E850-AE91636AE2AA}"/>
               </a:ext>
             </a:extLst>
           </p:cNvPr>
@@ -2868,7 +2868,7 @@
           <p:cNvPr id="4" name="日期占位符 3">
             <a:extLst>
               <a:ext uri="{FF2B5EF4-FFF2-40B4-BE49-F238E27FC236}">
-                <a16:creationId xmlns:a16="http://schemas.microsoft.com/office/drawing/2014/main" id="{933BF33F-B54F-5507-7909-B801456A9B27}"/>
+                <a16:creationId xmlns:a16="http://schemas.microsoft.com/office/drawing/2014/main" id="{079456A0-F2F8-FA97-C488-1A9C661A5798}"/>
               </a:ext>
             </a:extLst>
           </p:cNvPr>
@@ -2902,7 +2902,7 @@
             </a:lvl1pPr>
           </a:lstStyle>
           <a:p>
-            <a:fld id="{CEE0DE3D-B73C-452C-AD97-B5949F03E839}" type="datetimeFigureOut">
+            <a:fld id="{3486D8CA-F5AB-4A2E-A218-1074A6778338}" type="datetimeFigureOut">
               <a:rPr lang="zh-CN" altLang="en-US" smtClean="0"/>
               <a:t>2024/3/10</a:t>
             </a:fld>
@@ -2915,7 +2915,7 @@
           <p:cNvPr id="5" name="页脚占位符 4">
             <a:extLst>
               <a:ext uri="{FF2B5EF4-FFF2-40B4-BE49-F238E27FC236}">
-                <a16:creationId xmlns:a16="http://schemas.microsoft.com/office/drawing/2014/main" id="{D0A8CBE5-681F-92D3-A29B-7BF463AC7CA7}"/>
+                <a16:creationId xmlns:a16="http://schemas.microsoft.com/office/drawing/2014/main" id="{457E941D-8CF6-2E1F-1E10-1C5DFDB8AC9D}"/>
               </a:ext>
             </a:extLst>
           </p:cNvPr>
@@ -2958,7 +2958,7 @@
           <p:cNvPr id="6" name="灯片编号占位符 5">
             <a:extLst>
               <a:ext uri="{FF2B5EF4-FFF2-40B4-BE49-F238E27FC236}">
-                <a16:creationId xmlns:a16="http://schemas.microsoft.com/office/drawing/2014/main" id="{EE7D41D2-F9D4-5A7A-782C-38A13A167678}"/>
+                <a16:creationId xmlns:a16="http://schemas.microsoft.com/office/drawing/2014/main" id="{B360D2D0-1D8D-0004-B0CE-9C8084274FCE}"/>
               </a:ext>
             </a:extLst>
           </p:cNvPr>
@@ -2992,7 +2992,7 @@
             </a:lvl1pPr>
           </a:lstStyle>
           <a:p>
-            <a:fld id="{D1BB1509-E2FD-4D06-B690-AFB09351A13C}" type="slidenum">
+            <a:fld id="{010B7AD3-7562-433D-A386-5B14F947B1C2}" type="slidenum">
               <a:rPr lang="zh-CN" altLang="en-US" smtClean="0"/>
               <a:t>‹#›</a:t>
             </a:fld>
@@ -3003,7 +3003,7 @@
     </p:spTree>
     <p:extLst>
       <p:ext uri="{BB962C8B-B14F-4D97-AF65-F5344CB8AC3E}">
-        <p14:creationId xmlns:p14="http://schemas.microsoft.com/office/powerpoint/2010/main" val="220301749"/>
+        <p14:creationId xmlns:p14="http://schemas.microsoft.com/office/powerpoint/2010/main" val="3642524926"/>
       </p:ext>
     </p:extLst>
   </p:cSld>
